--- a/Docs/DataComparator.pptx
+++ b/Docs/DataComparator.pptx
@@ -270,7 +270,7 @@
           <a:p>
             <a:fld id="{5033802B-8407-4EEB-BC46-BFEADDE7C1F1}" type="datetimeFigureOut">
               <a:rPr lang="en-US" smtClean="0"/>
-              <a:t>9/12/2022</a:t>
+              <a:t>9/13/2022</a:t>
             </a:fld>
             <a:endParaRPr lang="en-US"/>
           </a:p>
@@ -468,7 +468,7 @@
           <a:p>
             <a:fld id="{5033802B-8407-4EEB-BC46-BFEADDE7C1F1}" type="datetimeFigureOut">
               <a:rPr lang="en-US" smtClean="0"/>
-              <a:t>9/12/2022</a:t>
+              <a:t>9/13/2022</a:t>
             </a:fld>
             <a:endParaRPr lang="en-US"/>
           </a:p>
@@ -676,7 +676,7 @@
           <a:p>
             <a:fld id="{5033802B-8407-4EEB-BC46-BFEADDE7C1F1}" type="datetimeFigureOut">
               <a:rPr lang="en-US" smtClean="0"/>
-              <a:t>9/12/2022</a:t>
+              <a:t>9/13/2022</a:t>
             </a:fld>
             <a:endParaRPr lang="en-US"/>
           </a:p>
@@ -874,7 +874,7 @@
           <a:p>
             <a:fld id="{5033802B-8407-4EEB-BC46-BFEADDE7C1F1}" type="datetimeFigureOut">
               <a:rPr lang="en-US" smtClean="0"/>
-              <a:t>9/12/2022</a:t>
+              <a:t>9/13/2022</a:t>
             </a:fld>
             <a:endParaRPr lang="en-US"/>
           </a:p>
@@ -1149,7 +1149,7 @@
           <a:p>
             <a:fld id="{5033802B-8407-4EEB-BC46-BFEADDE7C1F1}" type="datetimeFigureOut">
               <a:rPr lang="en-US" smtClean="0"/>
-              <a:t>9/12/2022</a:t>
+              <a:t>9/13/2022</a:t>
             </a:fld>
             <a:endParaRPr lang="en-US"/>
           </a:p>
@@ -1414,7 +1414,7 @@
           <a:p>
             <a:fld id="{5033802B-8407-4EEB-BC46-BFEADDE7C1F1}" type="datetimeFigureOut">
               <a:rPr lang="en-US" smtClean="0"/>
-              <a:t>9/12/2022</a:t>
+              <a:t>9/13/2022</a:t>
             </a:fld>
             <a:endParaRPr lang="en-US"/>
           </a:p>
@@ -1826,7 +1826,7 @@
           <a:p>
             <a:fld id="{5033802B-8407-4EEB-BC46-BFEADDE7C1F1}" type="datetimeFigureOut">
               <a:rPr lang="en-US" smtClean="0"/>
-              <a:t>9/12/2022</a:t>
+              <a:t>9/13/2022</a:t>
             </a:fld>
             <a:endParaRPr lang="en-US"/>
           </a:p>
@@ -1967,7 +1967,7 @@
           <a:p>
             <a:fld id="{5033802B-8407-4EEB-BC46-BFEADDE7C1F1}" type="datetimeFigureOut">
               <a:rPr lang="en-US" smtClean="0"/>
-              <a:t>9/12/2022</a:t>
+              <a:t>9/13/2022</a:t>
             </a:fld>
             <a:endParaRPr lang="en-US"/>
           </a:p>
@@ -2080,7 +2080,7 @@
           <a:p>
             <a:fld id="{5033802B-8407-4EEB-BC46-BFEADDE7C1F1}" type="datetimeFigureOut">
               <a:rPr lang="en-US" smtClean="0"/>
-              <a:t>9/12/2022</a:t>
+              <a:t>9/13/2022</a:t>
             </a:fld>
             <a:endParaRPr lang="en-US"/>
           </a:p>
@@ -2391,7 +2391,7 @@
           <a:p>
             <a:fld id="{5033802B-8407-4EEB-BC46-BFEADDE7C1F1}" type="datetimeFigureOut">
               <a:rPr lang="en-US" smtClean="0"/>
-              <a:t>9/12/2022</a:t>
+              <a:t>9/13/2022</a:t>
             </a:fld>
             <a:endParaRPr lang="en-US"/>
           </a:p>
@@ -2679,7 +2679,7 @@
           <a:p>
             <a:fld id="{5033802B-8407-4EEB-BC46-BFEADDE7C1F1}" type="datetimeFigureOut">
               <a:rPr lang="en-US" smtClean="0"/>
-              <a:t>9/12/2022</a:t>
+              <a:t>9/13/2022</a:t>
             </a:fld>
             <a:endParaRPr lang="en-US"/>
           </a:p>
@@ -2920,7 +2920,7 @@
           <a:p>
             <a:fld id="{5033802B-8407-4EEB-BC46-BFEADDE7C1F1}" type="datetimeFigureOut">
               <a:rPr lang="en-US" smtClean="0"/>
-              <a:t>9/12/2022</a:t>
+              <a:t>9/13/2022</a:t>
             </a:fld>
             <a:endParaRPr lang="en-US"/>
           </a:p>
@@ -5281,12 +5281,14 @@
           </a:xfrm>
         </p:spPr>
         <p:txBody>
-          <a:bodyPr/>
+          <a:bodyPr>
+            <a:normAutofit fontScale="90000"/>
+          </a:bodyPr>
           <a:lstStyle/>
           <a:p>
             <a:r>
               <a:rPr lang="en-US" dirty="0"/>
-              <a:t>Overview – Multiple Data Processors</a:t>
+              <a:t>Large number of Items - Multiple Data Processors</a:t>
             </a:r>
           </a:p>
         </p:txBody>
